--- a/3.pptx
+++ b/3.pptx
@@ -9,10 +9,12 @@
     <p:sldId id="258" r:id="rId3"/>
     <p:sldId id="262" r:id="rId4"/>
     <p:sldId id="257" r:id="rId5"/>
-    <p:sldId id="260" r:id="rId6"/>
-    <p:sldId id="263" r:id="rId7"/>
-    <p:sldId id="261" r:id="rId8"/>
-    <p:sldId id="259" r:id="rId9"/>
+    <p:sldId id="264" r:id="rId6"/>
+    <p:sldId id="260" r:id="rId7"/>
+    <p:sldId id="265" r:id="rId8"/>
+    <p:sldId id="266" r:id="rId9"/>
+    <p:sldId id="261" r:id="rId10"/>
+    <p:sldId id="259" r:id="rId11"/>
   </p:sldIdLst>
   <p:sldSz cx="12192000" cy="6858000"/>
   <p:notesSz cx="6858000" cy="9144000"/>
@@ -277,7 +279,7 @@
           <a:p>
             <a:fld id="{6E096779-C093-465F-8BC6-0A7FE88A1E63}" type="datetimeFigureOut">
               <a:rPr lang="zh-CN" altLang="en-US" smtClean="0"/>
-              <a:t>2024/11/29</a:t>
+              <a:t>2024/12/2</a:t>
             </a:fld>
             <a:endParaRPr lang="zh-CN" altLang="en-US"/>
           </a:p>
@@ -475,7 +477,7 @@
           <a:p>
             <a:fld id="{6E096779-C093-465F-8BC6-0A7FE88A1E63}" type="datetimeFigureOut">
               <a:rPr lang="zh-CN" altLang="en-US" smtClean="0"/>
-              <a:t>2024/11/29</a:t>
+              <a:t>2024/12/2</a:t>
             </a:fld>
             <a:endParaRPr lang="zh-CN" altLang="en-US"/>
           </a:p>
@@ -683,7 +685,7 @@
           <a:p>
             <a:fld id="{6E096779-C093-465F-8BC6-0A7FE88A1E63}" type="datetimeFigureOut">
               <a:rPr lang="zh-CN" altLang="en-US" smtClean="0"/>
-              <a:t>2024/11/29</a:t>
+              <a:t>2024/12/2</a:t>
             </a:fld>
             <a:endParaRPr lang="zh-CN" altLang="en-US"/>
           </a:p>
@@ -881,7 +883,7 @@
           <a:p>
             <a:fld id="{6E096779-C093-465F-8BC6-0A7FE88A1E63}" type="datetimeFigureOut">
               <a:rPr lang="zh-CN" altLang="en-US" smtClean="0"/>
-              <a:t>2024/11/29</a:t>
+              <a:t>2024/12/2</a:t>
             </a:fld>
             <a:endParaRPr lang="zh-CN" altLang="en-US"/>
           </a:p>
@@ -1156,7 +1158,7 @@
           <a:p>
             <a:fld id="{6E096779-C093-465F-8BC6-0A7FE88A1E63}" type="datetimeFigureOut">
               <a:rPr lang="zh-CN" altLang="en-US" smtClean="0"/>
-              <a:t>2024/11/29</a:t>
+              <a:t>2024/12/2</a:t>
             </a:fld>
             <a:endParaRPr lang="zh-CN" altLang="en-US"/>
           </a:p>
@@ -1421,7 +1423,7 @@
           <a:p>
             <a:fld id="{6E096779-C093-465F-8BC6-0A7FE88A1E63}" type="datetimeFigureOut">
               <a:rPr lang="zh-CN" altLang="en-US" smtClean="0"/>
-              <a:t>2024/11/29</a:t>
+              <a:t>2024/12/2</a:t>
             </a:fld>
             <a:endParaRPr lang="zh-CN" altLang="en-US"/>
           </a:p>
@@ -1833,7 +1835,7 @@
           <a:p>
             <a:fld id="{6E096779-C093-465F-8BC6-0A7FE88A1E63}" type="datetimeFigureOut">
               <a:rPr lang="zh-CN" altLang="en-US" smtClean="0"/>
-              <a:t>2024/11/29</a:t>
+              <a:t>2024/12/2</a:t>
             </a:fld>
             <a:endParaRPr lang="zh-CN" altLang="en-US"/>
           </a:p>
@@ -1974,7 +1976,7 @@
           <a:p>
             <a:fld id="{6E096779-C093-465F-8BC6-0A7FE88A1E63}" type="datetimeFigureOut">
               <a:rPr lang="zh-CN" altLang="en-US" smtClean="0"/>
-              <a:t>2024/11/29</a:t>
+              <a:t>2024/12/2</a:t>
             </a:fld>
             <a:endParaRPr lang="zh-CN" altLang="en-US"/>
           </a:p>
@@ -2087,7 +2089,7 @@
           <a:p>
             <a:fld id="{6E096779-C093-465F-8BC6-0A7FE88A1E63}" type="datetimeFigureOut">
               <a:rPr lang="zh-CN" altLang="en-US" smtClean="0"/>
-              <a:t>2024/11/29</a:t>
+              <a:t>2024/12/2</a:t>
             </a:fld>
             <a:endParaRPr lang="zh-CN" altLang="en-US"/>
           </a:p>
@@ -2398,7 +2400,7 @@
           <a:p>
             <a:fld id="{6E096779-C093-465F-8BC6-0A7FE88A1E63}" type="datetimeFigureOut">
               <a:rPr lang="zh-CN" altLang="en-US" smtClean="0"/>
-              <a:t>2024/11/29</a:t>
+              <a:t>2024/12/2</a:t>
             </a:fld>
             <a:endParaRPr lang="zh-CN" altLang="en-US"/>
           </a:p>
@@ -2686,7 +2688,7 @@
           <a:p>
             <a:fld id="{6E096779-C093-465F-8BC6-0A7FE88A1E63}" type="datetimeFigureOut">
               <a:rPr lang="zh-CN" altLang="en-US" smtClean="0"/>
-              <a:t>2024/11/29</a:t>
+              <a:t>2024/12/2</a:t>
             </a:fld>
             <a:endParaRPr lang="zh-CN" altLang="en-US"/>
           </a:p>
@@ -2927,7 +2929,7 @@
           <a:p>
             <a:fld id="{6E096779-C093-465F-8BC6-0A7FE88A1E63}" type="datetimeFigureOut">
               <a:rPr lang="zh-CN" altLang="en-US" smtClean="0"/>
-              <a:t>2024/11/29</a:t>
+              <a:t>2024/12/2</a:t>
             </a:fld>
             <a:endParaRPr lang="zh-CN" altLang="en-US"/>
           </a:p>
@@ -3416,6 +3418,136 @@
 </p:sld>
 </file>
 
+<file path=ppt/slides/slide10.xml><?xml version="1.0" encoding="utf-8"?>
+<p:sld xmlns:a="http://schemas.openxmlformats.org/drawingml/2006/main" xmlns:r="http://schemas.openxmlformats.org/officeDocument/2006/relationships" xmlns:p="http://schemas.openxmlformats.org/presentationml/2006/main">
+  <p:cSld>
+    <p:spTree>
+      <p:nvGrpSpPr>
+        <p:cNvPr id="1" name=""/>
+        <p:cNvGrpSpPr/>
+        <p:nvPr/>
+      </p:nvGrpSpPr>
+      <p:grpSpPr>
+        <a:xfrm>
+          <a:off x="0" y="0"/>
+          <a:ext cx="0" cy="0"/>
+          <a:chOff x="0" y="0"/>
+          <a:chExt cx="0" cy="0"/>
+        </a:xfrm>
+      </p:grpSpPr>
+      <p:sp>
+        <p:nvSpPr>
+          <p:cNvPr id="2" name="标题 1">
+            <a:extLst>
+              <a:ext uri="{FF2B5EF4-FFF2-40B4-BE49-F238E27FC236}">
+                <a16:creationId xmlns:a16="http://schemas.microsoft.com/office/drawing/2014/main" id="{3E5AD2B1-09CD-10D9-8C5C-B63134B214D3}"/>
+              </a:ext>
+            </a:extLst>
+          </p:cNvPr>
+          <p:cNvSpPr>
+            <a:spLocks noGrp="1"/>
+          </p:cNvSpPr>
+          <p:nvPr>
+            <p:ph type="title"/>
+          </p:nvPr>
+        </p:nvSpPr>
+        <p:spPr/>
+        <p:txBody>
+          <a:bodyPr/>
+          <a:lstStyle/>
+          <a:p>
+            <a:r>
+              <a:rPr lang="en-US" altLang="zh-CN" dirty="0"/>
+              <a:t>6.ADC/DAC</a:t>
+            </a:r>
+            <a:endParaRPr lang="zh-CN" altLang="en-US" dirty="0"/>
+          </a:p>
+        </p:txBody>
+      </p:sp>
+      <p:sp>
+        <p:nvSpPr>
+          <p:cNvPr id="3" name="内容占位符 2">
+            <a:extLst>
+              <a:ext uri="{FF2B5EF4-FFF2-40B4-BE49-F238E27FC236}">
+                <a16:creationId xmlns:a16="http://schemas.microsoft.com/office/drawing/2014/main" id="{0AC79F9F-D274-9606-2971-AD32E02573C7}"/>
+              </a:ext>
+            </a:extLst>
+          </p:cNvPr>
+          <p:cNvSpPr>
+            <a:spLocks noGrp="1"/>
+          </p:cNvSpPr>
+          <p:nvPr>
+            <p:ph idx="1"/>
+          </p:nvPr>
+        </p:nvSpPr>
+        <p:spPr/>
+        <p:txBody>
+          <a:bodyPr/>
+          <a:lstStyle/>
+          <a:p>
+            <a:r>
+              <a:rPr lang="en-US" altLang="zh-CN" dirty="0"/>
+              <a:t>ADC</a:t>
+            </a:r>
+            <a:r>
+              <a:rPr lang="zh-CN" altLang="en-US" dirty="0"/>
+              <a:t>将模拟量转换为数字量。</a:t>
+            </a:r>
+            <a:r>
+              <a:rPr lang="en-US" altLang="zh-CN" dirty="0"/>
+              <a:t>STM32</a:t>
+            </a:r>
+            <a:r>
+              <a:rPr lang="zh-CN" altLang="en-US" dirty="0"/>
+              <a:t>内部就有一个精度为</a:t>
+            </a:r>
+            <a:r>
+              <a:rPr lang="en-US" altLang="zh-CN" dirty="0"/>
+              <a:t>12</a:t>
+            </a:r>
+            <a:r>
+              <a:rPr lang="zh-CN" altLang="en-US" dirty="0"/>
+              <a:t>的</a:t>
+            </a:r>
+            <a:r>
+              <a:rPr lang="en-US" altLang="zh-CN" dirty="0"/>
+              <a:t>ADC</a:t>
+            </a:r>
+            <a:r>
+              <a:rPr lang="zh-CN" altLang="en-US" dirty="0"/>
+              <a:t>。</a:t>
+            </a:r>
+            <a:endParaRPr lang="en-US" altLang="zh-CN" dirty="0"/>
+          </a:p>
+          <a:p>
+            <a:r>
+              <a:rPr lang="zh-CN" altLang="en-US" dirty="0"/>
+              <a:t>相反的，</a:t>
+            </a:r>
+            <a:r>
+              <a:rPr lang="en-US" altLang="zh-CN" dirty="0"/>
+              <a:t>DAC</a:t>
+            </a:r>
+            <a:r>
+              <a:rPr lang="zh-CN" altLang="en-US" dirty="0"/>
+              <a:t>将数字量转换为模拟量。</a:t>
+            </a:r>
+          </a:p>
+        </p:txBody>
+      </p:sp>
+    </p:spTree>
+    <p:extLst>
+      <p:ext uri="{BB962C8B-B14F-4D97-AF65-F5344CB8AC3E}">
+        <p14:creationId xmlns:p14="http://schemas.microsoft.com/office/powerpoint/2010/main" val="2039621117"/>
+      </p:ext>
+    </p:extLst>
+  </p:cSld>
+  <p:clrMapOvr>
+    <a:masterClrMapping/>
+  </p:clrMapOvr>
+</p:sld>
+</file>
+
 <file path=ppt/slides/slide2.xml><?xml version="1.0" encoding="utf-8"?>
 <p:sld xmlns:a="http://schemas.openxmlformats.org/drawingml/2006/main" xmlns:r="http://schemas.openxmlformats.org/officeDocument/2006/relationships" xmlns:p="http://schemas.openxmlformats.org/presentationml/2006/main">
   <p:cSld>
@@ -3503,7 +3635,7 @@
             </a:r>
             <a:r>
               <a:rPr lang="zh-CN" altLang="en-US" dirty="0"/>
-              <a:t>决策树算法</a:t>
+              <a:t>博弈树模型</a:t>
             </a:r>
             <a:endParaRPr lang="en-US" altLang="zh-CN" dirty="0"/>
           </a:p>
@@ -3943,7 +4075,7 @@
           <p:cNvPr id="2" name="标题 1">
             <a:extLst>
               <a:ext uri="{FF2B5EF4-FFF2-40B4-BE49-F238E27FC236}">
-                <a16:creationId xmlns:a16="http://schemas.microsoft.com/office/drawing/2014/main" id="{AE77252F-762F-EDA8-1826-21BF203542A7}"/>
+                <a16:creationId xmlns:a16="http://schemas.microsoft.com/office/drawing/2014/main" id="{D12342E8-C716-E954-40BD-4F2D6B5AA856}"/>
               </a:ext>
             </a:extLst>
           </p:cNvPr>
@@ -3960,108 +4092,61 @@
           <a:lstStyle/>
           <a:p>
             <a:r>
-              <a:rPr lang="en-US" altLang="zh-CN" dirty="0"/>
-              <a:t>3.TIM</a:t>
-            </a:r>
-            <a:endParaRPr lang="zh-CN" altLang="en-US" dirty="0"/>
-          </a:p>
-        </p:txBody>
-      </p:sp>
-      <p:sp>
-        <p:nvSpPr>
-          <p:cNvPr id="3" name="内容占位符 2">
-            <a:extLst>
-              <a:ext uri="{FF2B5EF4-FFF2-40B4-BE49-F238E27FC236}">
-                <a16:creationId xmlns:a16="http://schemas.microsoft.com/office/drawing/2014/main" id="{259B1551-844A-4FF6-6171-4606EDF6777C}"/>
-              </a:ext>
-            </a:extLst>
-          </p:cNvPr>
-          <p:cNvSpPr>
-            <a:spLocks noGrp="1"/>
-          </p:cNvSpPr>
+              <a:rPr lang="zh-CN" altLang="en-US" dirty="0"/>
+              <a:t>我们已经将</a:t>
+            </a:r>
+            <a:r>
+              <a:rPr lang="en-US" altLang="zh-CN" dirty="0"/>
+              <a:t>PPT</a:t>
+            </a:r>
+            <a:r>
+              <a:rPr lang="zh-CN" altLang="en-US" dirty="0"/>
+              <a:t>上传到我们的远程仓库（请忽略其他两个文件</a:t>
+            </a:r>
+            <a:r>
+              <a:rPr lang="en-US" altLang="zh-CN" dirty="0"/>
+              <a:t>QAQ</a:t>
+            </a:r>
+            <a:r>
+              <a:rPr lang="zh-CN" altLang="en-US" dirty="0"/>
+              <a:t>）</a:t>
+            </a:r>
+          </a:p>
+        </p:txBody>
+      </p:sp>
+      <p:pic>
+        <p:nvPicPr>
+          <p:cNvPr id="5" name="内容占位符 4">
+            <a:extLst>
+              <a:ext uri="{FF2B5EF4-FFF2-40B4-BE49-F238E27FC236}">
+                <a16:creationId xmlns:a16="http://schemas.microsoft.com/office/drawing/2014/main" id="{4598160F-E937-863C-77F5-E28A2151A1FA}"/>
+              </a:ext>
+            </a:extLst>
+          </p:cNvPr>
+          <p:cNvPicPr>
+            <a:picLocks noGrp="1" noChangeAspect="1"/>
+          </p:cNvPicPr>
           <p:nvPr>
             <p:ph idx="1"/>
           </p:nvPr>
-        </p:nvSpPr>
-        <p:spPr/>
-        <p:txBody>
-          <a:bodyPr/>
-          <a:lstStyle/>
-          <a:p>
-            <a:r>
-              <a:rPr lang="zh-CN" altLang="en-US" dirty="0"/>
-              <a:t>通过配置</a:t>
-            </a:r>
-            <a:r>
-              <a:rPr lang="en-US" altLang="zh-CN" dirty="0" err="1"/>
-              <a:t>prescaler</a:t>
-            </a:r>
-            <a:r>
-              <a:rPr lang="zh-CN" altLang="en-US" dirty="0"/>
-              <a:t>和</a:t>
-            </a:r>
-            <a:r>
-              <a:rPr lang="en-US" altLang="zh-CN" dirty="0"/>
-              <a:t>Counter period</a:t>
-            </a:r>
-            <a:r>
-              <a:rPr lang="zh-CN" altLang="en-US" dirty="0"/>
-              <a:t>，在</a:t>
-            </a:r>
-            <a:r>
-              <a:rPr lang="en-US" altLang="zh-CN" dirty="0"/>
-              <a:t>Keil</a:t>
-            </a:r>
-            <a:r>
-              <a:rPr lang="zh-CN" altLang="en-US" dirty="0"/>
-              <a:t>中可以通过</a:t>
-            </a:r>
-            <a:r>
-              <a:rPr lang="en-US" altLang="zh-CN" dirty="0" err="1"/>
-              <a:t>Setcompare</a:t>
-            </a:r>
-            <a:r>
-              <a:rPr lang="zh-CN" altLang="en-US" dirty="0"/>
-              <a:t>函数来配置比较值，从而控制信号的占空比，通过控制信号的占空比传递给电机驱动模块，从而达到控制电机的转速等参数的作用。</a:t>
-            </a:r>
-            <a:endParaRPr lang="en-US" altLang="zh-CN" dirty="0"/>
-          </a:p>
-          <a:p>
-            <a:r>
-              <a:rPr lang="zh-CN" altLang="en-US" dirty="0"/>
-              <a:t>可以打开基本计时器，写一个精度达到微秒级的</a:t>
-            </a:r>
-            <a:r>
-              <a:rPr lang="en-US" altLang="zh-CN" dirty="0"/>
-              <a:t>delay</a:t>
-            </a:r>
-            <a:r>
-              <a:rPr lang="zh-CN" altLang="en-US" dirty="0"/>
-              <a:t>函数。</a:t>
-            </a:r>
-            <a:endParaRPr lang="en-US" altLang="zh-CN" dirty="0"/>
-          </a:p>
-          <a:p>
-            <a:r>
-              <a:rPr lang="zh-CN" altLang="en-US" dirty="0"/>
-              <a:t>（可以通过控制蜂鸣器发出尖锐的爆鸣声或轻松的音乐，下棋更有紧张感</a:t>
-            </a:r>
-            <a:r>
-              <a:rPr lang="en-US" altLang="zh-CN" dirty="0"/>
-              <a:t>/</a:t>
-            </a:r>
-            <a:r>
-              <a:rPr lang="zh-CN" altLang="en-US" dirty="0"/>
-              <a:t>松弛感）</a:t>
-            </a:r>
-            <a:endParaRPr lang="en-US" altLang="zh-CN" dirty="0"/>
-          </a:p>
-        </p:txBody>
-      </p:sp>
+        </p:nvPicPr>
+        <p:blipFill>
+          <a:blip r:embed="rId2"/>
+          <a:stretch>
+            <a:fillRect/>
+          </a:stretch>
+        </p:blipFill>
+        <p:spPr>
+          <a:xfrm>
+            <a:off x="2592687" y="1825625"/>
+            <a:ext cx="7006626" cy="4351338"/>
+          </a:xfrm>
+        </p:spPr>
+      </p:pic>
     </p:spTree>
     <p:extLst>
       <p:ext uri="{BB962C8B-B14F-4D97-AF65-F5344CB8AC3E}">
-        <p14:creationId xmlns:p14="http://schemas.microsoft.com/office/powerpoint/2010/main" val="947365512"/>
+        <p14:creationId xmlns:p14="http://schemas.microsoft.com/office/powerpoint/2010/main" val="498912490"/>
       </p:ext>
     </p:extLst>
   </p:cSld>
@@ -4093,7 +4178,7 @@
           <p:cNvPr id="2" name="标题 1">
             <a:extLst>
               <a:ext uri="{FF2B5EF4-FFF2-40B4-BE49-F238E27FC236}">
-                <a16:creationId xmlns:a16="http://schemas.microsoft.com/office/drawing/2014/main" id="{D116DB9B-0612-EE31-5EF0-A9A79EC35100}"/>
+                <a16:creationId xmlns:a16="http://schemas.microsoft.com/office/drawing/2014/main" id="{AE77252F-762F-EDA8-1826-21BF203542A7}"/>
               </a:ext>
             </a:extLst>
           </p:cNvPr>
@@ -4111,12 +4196,9 @@
           <a:p>
             <a:r>
               <a:rPr lang="en-US" altLang="zh-CN" dirty="0"/>
-              <a:t>4.</a:t>
-            </a:r>
-            <a:r>
-              <a:rPr lang="zh-CN" altLang="en-US" dirty="0"/>
-              <a:t>决策树算法</a:t>
-            </a:r>
+              <a:t>3.TIM</a:t>
+            </a:r>
+            <a:endParaRPr lang="zh-CN" altLang="en-US" dirty="0"/>
           </a:p>
         </p:txBody>
       </p:sp>
@@ -4125,7 +4207,7 @@
           <p:cNvPr id="3" name="内容占位符 2">
             <a:extLst>
               <a:ext uri="{FF2B5EF4-FFF2-40B4-BE49-F238E27FC236}">
-                <a16:creationId xmlns:a16="http://schemas.microsoft.com/office/drawing/2014/main" id="{70660015-3980-B33C-F25A-9CE2B87FFF11}"/>
+                <a16:creationId xmlns:a16="http://schemas.microsoft.com/office/drawing/2014/main" id="{259B1551-844A-4FF6-6171-4606EDF6777C}"/>
               </a:ext>
             </a:extLst>
           </p:cNvPr>
@@ -4141,37 +4223,110 @@
           <a:bodyPr/>
           <a:lstStyle/>
           <a:p>
-            <a:pPr marL="0" indent="0">
-              <a:buNone/>
-            </a:pPr>
-            <a:r>
-              <a:rPr lang="zh-CN" altLang="en-US" dirty="0"/>
-              <a:t>该算法用于方案选择和评估，例如股票投资决策，</a:t>
+            <a:r>
+              <a:rPr lang="zh-CN" altLang="en-US" dirty="0"/>
+              <a:t>通过配置</a:t>
+            </a:r>
+            <a:r>
+              <a:rPr lang="en-US" altLang="zh-CN" dirty="0" err="1"/>
+              <a:t>prescaler</a:t>
+            </a:r>
+            <a:r>
+              <a:rPr lang="zh-CN" altLang="en-US" dirty="0"/>
+              <a:t>和</a:t>
+            </a:r>
+            <a:r>
+              <a:rPr lang="en-US" altLang="zh-CN" dirty="0"/>
+              <a:t>Counter period</a:t>
+            </a:r>
+            <a:r>
+              <a:rPr lang="zh-CN" altLang="en-US" dirty="0"/>
+              <a:t>，在</a:t>
+            </a:r>
+            <a:r>
+              <a:rPr lang="en-US" altLang="zh-CN" dirty="0"/>
+              <a:t>Keil</a:t>
+            </a:r>
+            <a:r>
+              <a:rPr lang="zh-CN" altLang="en-US" dirty="0"/>
+              <a:t>中可以通过</a:t>
+            </a:r>
+            <a:r>
+              <a:rPr lang="en-US" altLang="zh-CN" dirty="0" err="1"/>
+              <a:t>Setcompare</a:t>
+            </a:r>
+            <a:r>
+              <a:rPr lang="zh-CN" altLang="en-US" dirty="0"/>
+              <a:t>函数来配置比较值，从而控制信号的占空比，通过控制信号的占空比传递给电机驱动模块，从而达到控制电机的转速等参数的作用。</a:t>
             </a:r>
             <a:endParaRPr lang="en-US" altLang="zh-CN" dirty="0"/>
           </a:p>
           <a:p>
-            <a:pPr marL="0" indent="0">
-              <a:buNone/>
-            </a:pPr>
-            <a:r>
-              <a:rPr lang="zh-CN" altLang="en-US" dirty="0"/>
-              <a:t>我们会对棋盘的棋子布局情况进行数据收集，</a:t>
+            <a:r>
+              <a:rPr lang="zh-CN" altLang="en-US" dirty="0"/>
+              <a:t>可以打开基本计时器，写一个精度达到微秒级的</a:t>
+            </a:r>
+            <a:r>
+              <a:rPr lang="en-US" altLang="zh-CN" dirty="0"/>
+              <a:t>delay</a:t>
+            </a:r>
+            <a:r>
+              <a:rPr lang="zh-CN" altLang="en-US" dirty="0"/>
+              <a:t>函数。</a:t>
             </a:r>
             <a:endParaRPr lang="en-US" altLang="zh-CN" dirty="0"/>
           </a:p>
           <a:p>
             <a:r>
               <a:rPr lang="zh-CN" altLang="en-US" dirty="0"/>
-              <a:t>我们打算采用这个建立模型，但我们对该算法还没有深入学习。</a:t>
-            </a:r>
-          </a:p>
-        </p:txBody>
-      </p:sp>
+              <a:t>（可以通过控制蜂鸣器发出尖锐的爆鸣声或轻松的音乐，下棋更有紧张感</a:t>
+            </a:r>
+            <a:r>
+              <a:rPr lang="en-US" altLang="zh-CN" dirty="0"/>
+              <a:t>/</a:t>
+            </a:r>
+            <a:r>
+              <a:rPr lang="zh-CN" altLang="en-US" dirty="0"/>
+              <a:t>松弛感）</a:t>
+            </a:r>
+            <a:endParaRPr lang="en-US" altLang="zh-CN" dirty="0"/>
+          </a:p>
+        </p:txBody>
+      </p:sp>
+      <p:pic>
+        <p:nvPicPr>
+          <p:cNvPr id="5" name="图片 4">
+            <a:extLst>
+              <a:ext uri="{FF2B5EF4-FFF2-40B4-BE49-F238E27FC236}">
+                <a16:creationId xmlns:a16="http://schemas.microsoft.com/office/drawing/2014/main" id="{B3ECA296-2A4C-1482-28F5-8D53415C5FF9}"/>
+              </a:ext>
+            </a:extLst>
+          </p:cNvPr>
+          <p:cNvPicPr>
+            <a:picLocks noChangeAspect="1"/>
+          </p:cNvPicPr>
+          <p:nvPr/>
+        </p:nvPicPr>
+        <p:blipFill>
+          <a:blip r:embed="rId2"/>
+          <a:stretch>
+            <a:fillRect/>
+          </a:stretch>
+        </p:blipFill>
+        <p:spPr>
+          <a:xfrm>
+            <a:off x="4596782" y="4645377"/>
+            <a:ext cx="6647240" cy="1531586"/>
+          </a:xfrm>
+          <a:prstGeom prst="rect">
+            <a:avLst/>
+          </a:prstGeom>
+        </p:spPr>
+      </p:pic>
     </p:spTree>
     <p:extLst>
       <p:ext uri="{BB962C8B-B14F-4D97-AF65-F5344CB8AC3E}">
-        <p14:creationId xmlns:p14="http://schemas.microsoft.com/office/powerpoint/2010/main" val="843263585"/>
+        <p14:creationId xmlns:p14="http://schemas.microsoft.com/office/powerpoint/2010/main" val="947365512"/>
       </p:ext>
     </p:extLst>
   </p:cSld>
@@ -4203,7 +4358,7 @@
           <p:cNvPr id="2" name="标题 1">
             <a:extLst>
               <a:ext uri="{FF2B5EF4-FFF2-40B4-BE49-F238E27FC236}">
-                <a16:creationId xmlns:a16="http://schemas.microsoft.com/office/drawing/2014/main" id="{8C4B879B-3769-E5B5-F1D3-540F553B17B5}"/>
+                <a16:creationId xmlns:a16="http://schemas.microsoft.com/office/drawing/2014/main" id="{5DAB14AD-290B-AD1E-8D92-C6C7D0D3A815}"/>
               </a:ext>
             </a:extLst>
           </p:cNvPr>
@@ -4221,11 +4376,11 @@
           <a:p>
             <a:r>
               <a:rPr lang="en-US" altLang="zh-CN" dirty="0"/>
-              <a:t>5.CAN</a:t>
-            </a:r>
-            <a:r>
-              <a:rPr lang="zh-CN" altLang="en-US" dirty="0"/>
-              <a:t>通信</a:t>
+              <a:t>4.</a:t>
+            </a:r>
+            <a:r>
+              <a:rPr lang="zh-CN" altLang="en-US" dirty="0"/>
+              <a:t>博弈树模型</a:t>
             </a:r>
           </a:p>
         </p:txBody>
@@ -4235,7 +4390,7 @@
           <p:cNvPr id="3" name="内容占位符 2">
             <a:extLst>
               <a:ext uri="{FF2B5EF4-FFF2-40B4-BE49-F238E27FC236}">
-                <a16:creationId xmlns:a16="http://schemas.microsoft.com/office/drawing/2014/main" id="{D644A1DA-EE33-240A-F46A-4A8040E33DC0}"/>
+                <a16:creationId xmlns:a16="http://schemas.microsoft.com/office/drawing/2014/main" id="{A3579B58-48E2-9A27-55F0-CD152C976960}"/>
               </a:ext>
             </a:extLst>
           </p:cNvPr>
@@ -4248,58 +4403,443 @@
         </p:nvSpPr>
         <p:spPr/>
         <p:txBody>
-          <a:bodyPr/>
-          <a:lstStyle/>
-          <a:p>
-            <a:r>
-              <a:rPr lang="zh-CN" altLang="en-US" dirty="0"/>
-              <a:t>我们计划用</a:t>
-            </a:r>
-            <a:r>
-              <a:rPr lang="en-US" altLang="zh-CN" dirty="0"/>
-              <a:t>CAN</a:t>
-            </a:r>
-            <a:r>
-              <a:rPr lang="zh-CN" altLang="en-US" dirty="0"/>
-              <a:t>通信读取各个传感器的数据。</a:t>
+          <a:bodyPr>
+            <a:normAutofit fontScale="62500" lnSpcReduction="20000"/>
+          </a:bodyPr>
+          <a:lstStyle/>
+          <a:p>
+            <a:r>
+              <a:rPr lang="zh-CN" altLang="en-US" dirty="0"/>
+              <a:t>该算法用于方案选择和评估，例如股票投资决策。</a:t>
             </a:r>
             <a:endParaRPr lang="en-US" altLang="zh-CN" dirty="0"/>
           </a:p>
           <a:p>
             <a:r>
               <a:rPr lang="zh-CN" altLang="en-US" dirty="0"/>
-              <a:t>我们初步决定采用开环控制（基于机械组的装置对精度要求不高），若达不到精度要求，我们将采用闭环控制。</a:t>
+              <a:t>我们会对棋盘的棋子布局情况进行数据收集。</a:t>
             </a:r>
             <a:endParaRPr lang="en-US" altLang="zh-CN" dirty="0"/>
           </a:p>
           <a:p>
             <a:r>
               <a:rPr lang="zh-CN" altLang="en-US" dirty="0"/>
-              <a:t>一下是我们对</a:t>
-            </a:r>
-            <a:r>
-              <a:rPr lang="en-US" altLang="zh-CN" dirty="0"/>
-              <a:t>CAN</a:t>
-            </a:r>
-            <a:r>
-              <a:rPr lang="zh-CN" altLang="en-US" dirty="0"/>
-              <a:t>通信的自（己）发（送）自（己）解（收）：</a:t>
+              <a:t>我们对该模型的理解：假定</a:t>
+            </a:r>
+            <a:r>
+              <a:rPr lang="en-US" altLang="zh-CN" dirty="0"/>
+              <a:t>AB</a:t>
+            </a:r>
+            <a:r>
+              <a:rPr lang="zh-CN" altLang="en-US" dirty="0"/>
+              <a:t>均合作时二者均收益为</a:t>
+            </a:r>
+            <a:r>
+              <a:rPr lang="en-US" altLang="zh-CN" dirty="0"/>
+              <a:t>1</a:t>
+            </a:r>
+            <a:r>
+              <a:rPr lang="zh-CN" altLang="en-US" dirty="0"/>
+              <a:t>，</a:t>
+            </a:r>
+            <a:r>
+              <a:rPr lang="en-US" altLang="zh-CN" dirty="0"/>
+              <a:t>AB</a:t>
+            </a:r>
+            <a:r>
+              <a:rPr lang="zh-CN" altLang="en-US" dirty="0"/>
+              <a:t>中一人合作一人背叛时合作者收益为</a:t>
+            </a:r>
+            <a:r>
+              <a:rPr lang="en-US" altLang="zh-CN" dirty="0"/>
+              <a:t>-3</a:t>
+            </a:r>
+            <a:r>
+              <a:rPr lang="zh-CN" altLang="en-US" dirty="0"/>
+              <a:t>，背叛者收益为</a:t>
+            </a:r>
+            <a:r>
+              <a:rPr lang="en-US" altLang="zh-CN" dirty="0"/>
+              <a:t>3</a:t>
+            </a:r>
+            <a:r>
+              <a:rPr lang="zh-CN" altLang="en-US" dirty="0"/>
+              <a:t>，</a:t>
+            </a:r>
+            <a:r>
+              <a:rPr lang="en-US" altLang="zh-CN" dirty="0"/>
+              <a:t>AB</a:t>
+            </a:r>
+            <a:r>
+              <a:rPr lang="zh-CN" altLang="en-US" dirty="0"/>
+              <a:t>均背叛时二者均收益为</a:t>
+            </a:r>
+            <a:r>
+              <a:rPr lang="en-US" altLang="zh-CN" dirty="0"/>
+              <a:t>-2</a:t>
+            </a:r>
+            <a:r>
+              <a:rPr lang="zh-CN" altLang="en-US" dirty="0"/>
+              <a:t>用逆向归纳法计算</a:t>
+            </a:r>
+            <a:r>
+              <a:rPr lang="en-US" altLang="zh-CN" dirty="0"/>
+              <a:t>(</a:t>
+            </a:r>
+            <a:r>
+              <a:rPr lang="zh-CN" altLang="en-US" dirty="0"/>
+              <a:t>即从</a:t>
+            </a:r>
+            <a:r>
+              <a:rPr lang="en-US" altLang="zh-CN" dirty="0"/>
+              <a:t>B</a:t>
+            </a:r>
+            <a:r>
+              <a:rPr lang="zh-CN" altLang="en-US" dirty="0"/>
+              <a:t>的决策入手推理</a:t>
+            </a:r>
+            <a:r>
+              <a:rPr lang="en-US" altLang="zh-CN" dirty="0"/>
+              <a:t>A</a:t>
+            </a:r>
+            <a:r>
+              <a:rPr lang="zh-CN" altLang="en-US" dirty="0"/>
+              <a:t>该做何决策</a:t>
+            </a:r>
+            <a:r>
+              <a:rPr lang="en-US" altLang="zh-CN" dirty="0"/>
+              <a:t>)A</a:t>
+            </a:r>
+            <a:r>
+              <a:rPr lang="zh-CN" altLang="en-US" dirty="0"/>
+              <a:t>合作：</a:t>
+            </a:r>
+            <a:r>
+              <a:rPr lang="en-US" altLang="zh-CN" dirty="0"/>
+              <a:t>B</a:t>
+            </a:r>
+            <a:r>
+              <a:rPr lang="zh-CN" altLang="en-US" dirty="0"/>
+              <a:t>合作，</a:t>
+            </a:r>
+            <a:r>
+              <a:rPr lang="en-US" altLang="zh-CN" dirty="0"/>
+              <a:t>B</a:t>
+            </a:r>
+            <a:r>
+              <a:rPr lang="zh-CN" altLang="en-US" dirty="0"/>
+              <a:t>收益为</a:t>
+            </a:r>
+            <a:r>
+              <a:rPr lang="en-US" altLang="zh-CN" dirty="0"/>
+              <a:t>1        B</a:t>
+            </a:r>
+            <a:r>
+              <a:rPr lang="zh-CN" altLang="en-US" dirty="0"/>
+              <a:t>背叛，</a:t>
+            </a:r>
+            <a:r>
+              <a:rPr lang="en-US" altLang="zh-CN" dirty="0"/>
+              <a:t>B</a:t>
+            </a:r>
+            <a:r>
+              <a:rPr lang="zh-CN" altLang="en-US" dirty="0"/>
+              <a:t>收益为</a:t>
+            </a:r>
+            <a:r>
+              <a:rPr lang="en-US" altLang="zh-CN" dirty="0"/>
+              <a:t>3</a:t>
+            </a:r>
+            <a:r>
+              <a:rPr lang="zh-CN" altLang="en-US" dirty="0"/>
+              <a:t>所以</a:t>
+            </a:r>
+            <a:r>
+              <a:rPr lang="en-US" altLang="zh-CN" dirty="0"/>
+              <a:t>A</a:t>
+            </a:r>
+            <a:r>
+              <a:rPr lang="zh-CN" altLang="en-US" dirty="0"/>
+              <a:t>合作时，</a:t>
+            </a:r>
+            <a:r>
+              <a:rPr lang="en-US" altLang="zh-CN" dirty="0"/>
+              <a:t>B</a:t>
+            </a:r>
+            <a:r>
+              <a:rPr lang="zh-CN" altLang="en-US" dirty="0"/>
+              <a:t>会选择背叛，</a:t>
+            </a:r>
+            <a:r>
+              <a:rPr lang="en-US" altLang="zh-CN" dirty="0"/>
+              <a:t>A</a:t>
+            </a:r>
+            <a:r>
+              <a:rPr lang="zh-CN" altLang="en-US" dirty="0"/>
+              <a:t>收益为</a:t>
+            </a:r>
+            <a:r>
+              <a:rPr lang="en-US" altLang="zh-CN" dirty="0"/>
+              <a:t>-3A</a:t>
+            </a:r>
+            <a:r>
+              <a:rPr lang="zh-CN" altLang="en-US" dirty="0"/>
+              <a:t>背叛：</a:t>
+            </a:r>
+            <a:r>
+              <a:rPr lang="en-US" altLang="zh-CN" dirty="0"/>
+              <a:t>B</a:t>
+            </a:r>
+            <a:r>
+              <a:rPr lang="zh-CN" altLang="en-US" dirty="0"/>
+              <a:t>合作，</a:t>
+            </a:r>
+            <a:r>
+              <a:rPr lang="en-US" altLang="zh-CN" dirty="0"/>
+              <a:t>B</a:t>
+            </a:r>
+            <a:r>
+              <a:rPr lang="zh-CN" altLang="en-US" dirty="0"/>
+              <a:t>收益为</a:t>
+            </a:r>
+            <a:r>
+              <a:rPr lang="en-US" altLang="zh-CN" dirty="0"/>
+              <a:t>-3         B</a:t>
+            </a:r>
+            <a:r>
+              <a:rPr lang="zh-CN" altLang="en-US" dirty="0"/>
+              <a:t>背叛，</a:t>
+            </a:r>
+            <a:r>
+              <a:rPr lang="en-US" altLang="zh-CN" dirty="0"/>
+              <a:t>B</a:t>
+            </a:r>
+            <a:r>
+              <a:rPr lang="zh-CN" altLang="en-US" dirty="0"/>
+              <a:t>收益为</a:t>
+            </a:r>
+            <a:r>
+              <a:rPr lang="en-US" altLang="zh-CN" dirty="0"/>
+              <a:t>-2</a:t>
+            </a:r>
+            <a:r>
+              <a:rPr lang="zh-CN" altLang="en-US" dirty="0"/>
+              <a:t>所以</a:t>
+            </a:r>
+            <a:r>
+              <a:rPr lang="en-US" altLang="zh-CN" dirty="0"/>
+              <a:t>A</a:t>
+            </a:r>
+            <a:r>
+              <a:rPr lang="zh-CN" altLang="en-US" dirty="0"/>
+              <a:t>背叛时，</a:t>
+            </a:r>
+            <a:r>
+              <a:rPr lang="en-US" altLang="zh-CN" dirty="0"/>
+              <a:t>B</a:t>
+            </a:r>
+            <a:r>
+              <a:rPr lang="zh-CN" altLang="en-US" dirty="0"/>
+              <a:t>会选择背叛，</a:t>
+            </a:r>
+            <a:r>
+              <a:rPr lang="en-US" altLang="zh-CN" dirty="0"/>
+              <a:t>A</a:t>
+            </a:r>
+            <a:r>
+              <a:rPr lang="zh-CN" altLang="en-US" dirty="0"/>
+              <a:t>收益为</a:t>
+            </a:r>
+            <a:r>
+              <a:rPr lang="en-US" altLang="zh-CN" dirty="0"/>
+              <a:t>-2</a:t>
+            </a:r>
+            <a:r>
+              <a:rPr lang="zh-CN" altLang="en-US" dirty="0"/>
+              <a:t>所以</a:t>
+            </a:r>
+            <a:r>
+              <a:rPr lang="en-US" altLang="zh-CN" dirty="0"/>
+              <a:t>A</a:t>
+            </a:r>
+            <a:r>
+              <a:rPr lang="zh-CN" altLang="en-US" dirty="0"/>
+              <a:t>应选择背叛（对不起，建了个鼓励背叛的模型）</a:t>
             </a:r>
             <a:endParaRPr lang="en-US" altLang="zh-CN" dirty="0"/>
           </a:p>
           <a:p>
-            <a:pPr marL="0" indent="0">
-              <a:buNone/>
-            </a:pPr>
-            <a:endParaRPr lang="en-US" altLang="zh-CN" dirty="0"/>
-          </a:p>
-          <a:p>
-            <a:pPr marL="0" indent="0">
-              <a:buNone/>
-            </a:pPr>
-            <a:r>
-              <a:rPr lang="zh-CN" altLang="en-US" dirty="0"/>
-              <a:t>万般不离宗，点灯才是真神。</a:t>
+            <a:r>
+              <a:rPr lang="zh-CN" altLang="en-US" dirty="0"/>
+              <a:t>将该模型应用到下棋，以下三子棋为例：初始，棋盘为空，</a:t>
+            </a:r>
+            <a:r>
+              <a:rPr lang="en-US" altLang="zh-CN" dirty="0"/>
+              <a:t>A</a:t>
+            </a:r>
+            <a:r>
+              <a:rPr lang="zh-CN" altLang="en-US" dirty="0"/>
+              <a:t>在正中央落子，</a:t>
+            </a:r>
+            <a:r>
+              <a:rPr lang="en-US" altLang="zh-CN" dirty="0"/>
+              <a:t>B</a:t>
+            </a:r>
+            <a:r>
+              <a:rPr lang="zh-CN" altLang="en-US" dirty="0"/>
+              <a:t>有八种可能落子位置，形成八个分支；假定</a:t>
+            </a:r>
+            <a:r>
+              <a:rPr lang="en-US" altLang="zh-CN" dirty="0"/>
+              <a:t>B</a:t>
+            </a:r>
+            <a:r>
+              <a:rPr lang="zh-CN" altLang="en-US" dirty="0"/>
+              <a:t>于左上角落子，此时</a:t>
+            </a:r>
+            <a:r>
+              <a:rPr lang="en-US" altLang="zh-CN" dirty="0"/>
+              <a:t>A</a:t>
+            </a:r>
+            <a:r>
+              <a:rPr lang="zh-CN" altLang="en-US" dirty="0"/>
+              <a:t>有七个可能落子决策，展开七个分支</a:t>
+            </a:r>
+            <a:r>
+              <a:rPr lang="en-US" altLang="zh-CN" dirty="0"/>
+              <a:t>...</a:t>
+            </a:r>
+            <a:r>
+              <a:rPr lang="zh-CN" altLang="en-US" dirty="0"/>
+              <a:t>由此不断展开博弈树，以胜利为</a:t>
+            </a:r>
+            <a:r>
+              <a:rPr lang="en-US" altLang="zh-CN" dirty="0"/>
+              <a:t>1</a:t>
+            </a:r>
+            <a:r>
+              <a:rPr lang="zh-CN" altLang="en-US" dirty="0"/>
+              <a:t>，失利为</a:t>
+            </a:r>
+            <a:r>
+              <a:rPr lang="en-US" altLang="zh-CN" dirty="0"/>
+              <a:t>-1</a:t>
+            </a:r>
+            <a:r>
+              <a:rPr lang="zh-CN" altLang="en-US" dirty="0"/>
+              <a:t>，棋盘满为</a:t>
+            </a:r>
+            <a:r>
+              <a:rPr lang="en-US" altLang="zh-CN" dirty="0"/>
+              <a:t>0</a:t>
+            </a:r>
+            <a:r>
+              <a:rPr lang="zh-CN" altLang="en-US" dirty="0"/>
+              <a:t>的评估函数对终局进行评估从终局回推，此时</a:t>
+            </a:r>
+            <a:r>
+              <a:rPr lang="en-US" altLang="zh-CN" dirty="0"/>
+              <a:t>A</a:t>
+            </a:r>
+            <a:r>
+              <a:rPr lang="zh-CN" altLang="en-US" dirty="0"/>
+              <a:t>的最后一轮落子的节点的所有子节点的评估值均已算出，把子节点的评估值中的最高值当作本节点的评估值，再回推上一轮落子的节点</a:t>
+            </a:r>
+            <a:r>
+              <a:rPr lang="en-US" altLang="zh-CN" dirty="0"/>
+              <a:t>...</a:t>
+            </a:r>
+            <a:r>
+              <a:rPr lang="zh-CN" altLang="en-US" dirty="0"/>
+              <a:t>由此不断计算即可得到当下轮次的最佳落子位置。可见，尽管是较为简单的三子棋，其博弈树也极其庞大，在实际中很难构建完整博弈树并计算其所有节点的评估值。因此，需结合使用剪枝策略如</a:t>
+            </a:r>
+            <a:r>
+              <a:rPr lang="en-US" altLang="zh-CN" dirty="0"/>
+              <a:t>α-β</a:t>
+            </a:r>
+            <a:r>
+              <a:rPr lang="zh-CN" altLang="en-US" dirty="0"/>
+              <a:t>剪枝算法</a:t>
+            </a:r>
+            <a:r>
+              <a:rPr lang="en-US" altLang="zh-CN" dirty="0"/>
+              <a:t>α</a:t>
+            </a:r>
+            <a:r>
+              <a:rPr lang="zh-CN" altLang="en-US" dirty="0"/>
+              <a:t>值代表了玩家落子后玩家获得的最好分数下限，随着搜索进行实时更新，初始值为负无穷</a:t>
+            </a:r>
+            <a:r>
+              <a:rPr lang="en-US" altLang="zh-CN" dirty="0"/>
+              <a:t>β</a:t>
+            </a:r>
+            <a:r>
+              <a:rPr lang="zh-CN" altLang="en-US" dirty="0"/>
+              <a:t>值代表了对手落子后玩家获得的最差分数上限，随着搜索进行实时更新，初始值为正无穷在</a:t>
+            </a:r>
+            <a:r>
+              <a:rPr lang="en-US" altLang="zh-CN" dirty="0"/>
+              <a:t>α</a:t>
+            </a:r>
+            <a:r>
+              <a:rPr lang="zh-CN" altLang="en-US" dirty="0"/>
+              <a:t>和</a:t>
+            </a:r>
+            <a:r>
+              <a:rPr lang="en-US" altLang="zh-CN" dirty="0"/>
+              <a:t>β</a:t>
+            </a:r>
+            <a:r>
+              <a:rPr lang="zh-CN" altLang="en-US" dirty="0"/>
+              <a:t>值动态更新过程中，</a:t>
+            </a:r>
+            <a:r>
+              <a:rPr lang="en-US" altLang="zh-CN" dirty="0"/>
+              <a:t>α</a:t>
+            </a:r>
+            <a:r>
+              <a:rPr lang="zh-CN" altLang="en-US" dirty="0"/>
+              <a:t>小于</a:t>
+            </a:r>
+            <a:r>
+              <a:rPr lang="en-US" altLang="zh-CN" dirty="0"/>
+              <a:t>β</a:t>
+            </a:r>
+            <a:r>
+              <a:rPr lang="zh-CN" altLang="en-US" dirty="0"/>
+              <a:t>才有继续搜索子节点的必要，当</a:t>
+            </a:r>
+            <a:r>
+              <a:rPr lang="en-US" altLang="zh-CN" dirty="0"/>
+              <a:t>α</a:t>
+            </a:r>
+            <a:r>
+              <a:rPr lang="zh-CN" altLang="en-US" dirty="0"/>
+              <a:t>大于</a:t>
+            </a:r>
+            <a:r>
+              <a:rPr lang="en-US" altLang="zh-CN" dirty="0"/>
+              <a:t>β</a:t>
+            </a:r>
+            <a:r>
+              <a:rPr lang="zh-CN" altLang="en-US" dirty="0"/>
+              <a:t>时，可执行剪枝操作，避免对剩余子节点进行不必要的搜索。简单示例如图。启发式搜索更改搜索顺序，让</a:t>
+            </a:r>
+            <a:r>
+              <a:rPr lang="en-US" altLang="zh-CN" dirty="0"/>
+              <a:t>α</a:t>
+            </a:r>
+            <a:r>
+              <a:rPr lang="zh-CN" altLang="en-US" dirty="0"/>
+              <a:t>大于</a:t>
+            </a:r>
+            <a:r>
+              <a:rPr lang="en-US" altLang="zh-CN" dirty="0"/>
+              <a:t>β</a:t>
+            </a:r>
+            <a:r>
+              <a:rPr lang="zh-CN" altLang="en-US" dirty="0"/>
+              <a:t>的情况更早出现，尽最大可能减少搜索量。</a:t>
             </a:r>
             <a:endParaRPr lang="en-US" altLang="zh-CN" dirty="0"/>
           </a:p>
@@ -4311,7 +4851,7 @@
     </p:spTree>
     <p:extLst>
       <p:ext uri="{BB962C8B-B14F-4D97-AF65-F5344CB8AC3E}">
-        <p14:creationId xmlns:p14="http://schemas.microsoft.com/office/powerpoint/2010/main" val="2908900245"/>
+        <p14:creationId xmlns:p14="http://schemas.microsoft.com/office/powerpoint/2010/main" val="590618259"/>
       </p:ext>
     </p:extLst>
   </p:cSld>
@@ -4343,7 +4883,7 @@
           <p:cNvPr id="2" name="标题 1">
             <a:extLst>
               <a:ext uri="{FF2B5EF4-FFF2-40B4-BE49-F238E27FC236}">
-                <a16:creationId xmlns:a16="http://schemas.microsoft.com/office/drawing/2014/main" id="{3E5AD2B1-09CD-10D9-8C5C-B63134B214D3}"/>
+                <a16:creationId xmlns:a16="http://schemas.microsoft.com/office/drawing/2014/main" id="{9C4A23DF-EAE8-FA32-6BC9-BE17C3F47779}"/>
               </a:ext>
             </a:extLst>
           </p:cNvPr>
@@ -4360,88 +4900,223 @@
           <a:lstStyle/>
           <a:p>
             <a:r>
-              <a:rPr lang="en-US" altLang="zh-CN" dirty="0"/>
-              <a:t>6.ADC/DAC</a:t>
-            </a:r>
-            <a:endParaRPr lang="zh-CN" altLang="en-US" dirty="0"/>
-          </a:p>
-        </p:txBody>
-      </p:sp>
-      <p:sp>
-        <p:nvSpPr>
-          <p:cNvPr id="3" name="内容占位符 2">
-            <a:extLst>
-              <a:ext uri="{FF2B5EF4-FFF2-40B4-BE49-F238E27FC236}">
-                <a16:creationId xmlns:a16="http://schemas.microsoft.com/office/drawing/2014/main" id="{0AC79F9F-D274-9606-2971-AD32E02573C7}"/>
-              </a:ext>
-            </a:extLst>
-          </p:cNvPr>
-          <p:cNvSpPr>
-            <a:spLocks noGrp="1"/>
-          </p:cNvSpPr>
+              <a:rPr lang="zh-CN" altLang="en-US" dirty="0"/>
+              <a:t>博弈树的（个人）图解</a:t>
+            </a:r>
+          </a:p>
+        </p:txBody>
+      </p:sp>
+      <p:pic>
+        <p:nvPicPr>
+          <p:cNvPr id="5" name="内容占位符 4">
+            <a:extLst>
+              <a:ext uri="{FF2B5EF4-FFF2-40B4-BE49-F238E27FC236}">
+                <a16:creationId xmlns:a16="http://schemas.microsoft.com/office/drawing/2014/main" id="{2A27B786-A296-A01F-2E55-80529B0A69B5}"/>
+              </a:ext>
+            </a:extLst>
+          </p:cNvPr>
+          <p:cNvPicPr>
+            <a:picLocks noGrp="1" noChangeAspect="1"/>
+          </p:cNvPicPr>
           <p:nvPr>
             <p:ph idx="1"/>
           </p:nvPr>
-        </p:nvSpPr>
-        <p:spPr/>
-        <p:txBody>
-          <a:bodyPr/>
-          <a:lstStyle/>
-          <a:p>
-            <a:r>
-              <a:rPr lang="en-US" altLang="zh-CN" dirty="0"/>
-              <a:t>ADC</a:t>
-            </a:r>
-            <a:r>
-              <a:rPr lang="zh-CN" altLang="en-US" dirty="0"/>
-              <a:t>将模拟量转换为数字量。</a:t>
-            </a:r>
-            <a:r>
-              <a:rPr lang="en-US" altLang="zh-CN" dirty="0"/>
-              <a:t>STM32</a:t>
-            </a:r>
-            <a:r>
-              <a:rPr lang="zh-CN" altLang="en-US" dirty="0"/>
-              <a:t>内部就有一个精度为</a:t>
-            </a:r>
-            <a:r>
-              <a:rPr lang="en-US" altLang="zh-CN" dirty="0"/>
-              <a:t>12</a:t>
-            </a:r>
-            <a:r>
-              <a:rPr lang="zh-CN" altLang="en-US" dirty="0"/>
-              <a:t>的</a:t>
-            </a:r>
-            <a:r>
-              <a:rPr lang="en-US" altLang="zh-CN" dirty="0"/>
-              <a:t>ADC</a:t>
-            </a:r>
-            <a:r>
-              <a:rPr lang="zh-CN" altLang="en-US" dirty="0"/>
-              <a:t>。</a:t>
-            </a:r>
-            <a:endParaRPr lang="en-US" altLang="zh-CN" dirty="0"/>
-          </a:p>
-          <a:p>
-            <a:r>
-              <a:rPr lang="zh-CN" altLang="en-US" dirty="0"/>
-              <a:t>相反的，</a:t>
-            </a:r>
-            <a:r>
-              <a:rPr lang="en-US" altLang="zh-CN" dirty="0"/>
-              <a:t>DAC</a:t>
-            </a:r>
-            <a:r>
-              <a:rPr lang="zh-CN" altLang="en-US" dirty="0"/>
-              <a:t>将数字量转换为模拟量。</a:t>
-            </a:r>
-          </a:p>
-        </p:txBody>
-      </p:sp>
+        </p:nvPicPr>
+        <p:blipFill>
+          <a:blip r:embed="rId2"/>
+          <a:stretch>
+            <a:fillRect/>
+          </a:stretch>
+        </p:blipFill>
+        <p:spPr>
+          <a:xfrm rot="16200000">
+            <a:off x="6852928" y="691608"/>
+            <a:ext cx="4541559" cy="6055413"/>
+          </a:xfrm>
+        </p:spPr>
+      </p:pic>
+      <p:pic>
+        <p:nvPicPr>
+          <p:cNvPr id="7" name="图片 6">
+            <a:extLst>
+              <a:ext uri="{FF2B5EF4-FFF2-40B4-BE49-F238E27FC236}">
+                <a16:creationId xmlns:a16="http://schemas.microsoft.com/office/drawing/2014/main" id="{E3B200A2-0A1E-19B7-E1AE-D27D8C926C98}"/>
+              </a:ext>
+            </a:extLst>
+          </p:cNvPr>
+          <p:cNvPicPr>
+            <a:picLocks noChangeAspect="1"/>
+          </p:cNvPicPr>
+          <p:nvPr/>
+        </p:nvPicPr>
+        <p:blipFill>
+          <a:blip r:embed="rId3"/>
+          <a:stretch>
+            <a:fillRect/>
+          </a:stretch>
+        </p:blipFill>
+        <p:spPr>
+          <a:xfrm>
+            <a:off x="103322" y="1491710"/>
+            <a:ext cx="5997842" cy="4498383"/>
+          </a:xfrm>
+          <a:prstGeom prst="rect">
+            <a:avLst/>
+          </a:prstGeom>
+        </p:spPr>
+      </p:pic>
     </p:spTree>
     <p:extLst>
       <p:ext uri="{BB962C8B-B14F-4D97-AF65-F5344CB8AC3E}">
-        <p14:creationId xmlns:p14="http://schemas.microsoft.com/office/powerpoint/2010/main" val="2039621117"/>
+        <p14:creationId xmlns:p14="http://schemas.microsoft.com/office/powerpoint/2010/main" val="197660732"/>
+      </p:ext>
+    </p:extLst>
+  </p:cSld>
+  <p:clrMapOvr>
+    <a:masterClrMapping/>
+  </p:clrMapOvr>
+</p:sld>
+</file>
+
+<file path=ppt/slides/slide9.xml><?xml version="1.0" encoding="utf-8"?>
+<p:sld xmlns:a="http://schemas.openxmlformats.org/drawingml/2006/main" xmlns:r="http://schemas.openxmlformats.org/officeDocument/2006/relationships" xmlns:p="http://schemas.openxmlformats.org/presentationml/2006/main">
+  <p:cSld>
+    <p:spTree>
+      <p:nvGrpSpPr>
+        <p:cNvPr id="1" name=""/>
+        <p:cNvGrpSpPr/>
+        <p:nvPr/>
+      </p:nvGrpSpPr>
+      <p:grpSpPr>
+        <a:xfrm>
+          <a:off x="0" y="0"/>
+          <a:ext cx="0" cy="0"/>
+          <a:chOff x="0" y="0"/>
+          <a:chExt cx="0" cy="0"/>
+        </a:xfrm>
+      </p:grpSpPr>
+      <p:sp>
+        <p:nvSpPr>
+          <p:cNvPr id="2" name="标题 1">
+            <a:extLst>
+              <a:ext uri="{FF2B5EF4-FFF2-40B4-BE49-F238E27FC236}">
+                <a16:creationId xmlns:a16="http://schemas.microsoft.com/office/drawing/2014/main" id="{8C4B879B-3769-E5B5-F1D3-540F553B17B5}"/>
+              </a:ext>
+            </a:extLst>
+          </p:cNvPr>
+          <p:cNvSpPr>
+            <a:spLocks noGrp="1"/>
+          </p:cNvSpPr>
+          <p:nvPr>
+            <p:ph type="title"/>
+          </p:nvPr>
+        </p:nvSpPr>
+        <p:spPr/>
+        <p:txBody>
+          <a:bodyPr/>
+          <a:lstStyle/>
+          <a:p>
+            <a:r>
+              <a:rPr lang="en-US" altLang="zh-CN" dirty="0"/>
+              <a:t>5.CAN</a:t>
+            </a:r>
+            <a:r>
+              <a:rPr lang="zh-CN" altLang="en-US" dirty="0"/>
+              <a:t>通信</a:t>
+            </a:r>
+          </a:p>
+        </p:txBody>
+      </p:sp>
+      <p:sp>
+        <p:nvSpPr>
+          <p:cNvPr id="3" name="内容占位符 2">
+            <a:extLst>
+              <a:ext uri="{FF2B5EF4-FFF2-40B4-BE49-F238E27FC236}">
+                <a16:creationId xmlns:a16="http://schemas.microsoft.com/office/drawing/2014/main" id="{D644A1DA-EE33-240A-F46A-4A8040E33DC0}"/>
+              </a:ext>
+            </a:extLst>
+          </p:cNvPr>
+          <p:cNvSpPr>
+            <a:spLocks noGrp="1"/>
+          </p:cNvSpPr>
+          <p:nvPr>
+            <p:ph idx="1"/>
+          </p:nvPr>
+        </p:nvSpPr>
+        <p:spPr/>
+        <p:txBody>
+          <a:bodyPr/>
+          <a:lstStyle/>
+          <a:p>
+            <a:r>
+              <a:rPr lang="zh-CN" altLang="en-US" dirty="0"/>
+              <a:t>我们计划用</a:t>
+            </a:r>
+            <a:r>
+              <a:rPr lang="en-US" altLang="zh-CN" dirty="0"/>
+              <a:t>CAN</a:t>
+            </a:r>
+            <a:r>
+              <a:rPr lang="zh-CN" altLang="en-US" dirty="0"/>
+              <a:t>通信读取各个传感器的数据。</a:t>
+            </a:r>
+            <a:endParaRPr lang="en-US" altLang="zh-CN" dirty="0"/>
+          </a:p>
+          <a:p>
+            <a:r>
+              <a:rPr lang="zh-CN" altLang="en-US" dirty="0"/>
+              <a:t>基于机械组的要求，我们初步决定采用闭环控制。</a:t>
+            </a:r>
+            <a:endParaRPr lang="en-US" altLang="zh-CN" dirty="0"/>
+          </a:p>
+          <a:p>
+            <a:r>
+              <a:rPr lang="zh-CN" altLang="en-US" dirty="0"/>
+              <a:t>以</a:t>
+            </a:r>
+            <a:r>
+              <a:rPr lang="zh-CN" altLang="en-US"/>
+              <a:t>下</a:t>
+            </a:r>
+            <a:r>
+              <a:rPr lang="zh-CN" altLang="en-US" dirty="0"/>
+              <a:t>是我们对</a:t>
+            </a:r>
+            <a:r>
+              <a:rPr lang="en-US" altLang="zh-CN" dirty="0"/>
+              <a:t>CAN</a:t>
+            </a:r>
+            <a:r>
+              <a:rPr lang="zh-CN" altLang="en-US" dirty="0"/>
+              <a:t>通信的自（己）发（送）自（己）解（收）：</a:t>
+            </a:r>
+            <a:endParaRPr lang="en-US" altLang="zh-CN" dirty="0"/>
+          </a:p>
+          <a:p>
+            <a:pPr marL="0" indent="0">
+              <a:buNone/>
+            </a:pPr>
+            <a:endParaRPr lang="en-US" altLang="zh-CN" dirty="0"/>
+          </a:p>
+          <a:p>
+            <a:pPr marL="0" indent="0">
+              <a:buNone/>
+            </a:pPr>
+            <a:r>
+              <a:rPr lang="zh-CN" altLang="en-US" dirty="0"/>
+              <a:t>万般不离宗，点灯才是真神。</a:t>
+            </a:r>
+            <a:endParaRPr lang="en-US" altLang="zh-CN" dirty="0"/>
+          </a:p>
+          <a:p>
+            <a:endParaRPr lang="zh-CN" altLang="en-US" dirty="0"/>
+          </a:p>
+        </p:txBody>
+      </p:sp>
+    </p:spTree>
+    <p:extLst>
+      <p:ext uri="{BB962C8B-B14F-4D97-AF65-F5344CB8AC3E}">
+        <p14:creationId xmlns:p14="http://schemas.microsoft.com/office/powerpoint/2010/main" val="2908900245"/>
       </p:ext>
     </p:extLst>
   </p:cSld>
